--- a/docs/slides/Good_Data_Practices.pptx
+++ b/docs/slides/Good_Data_Practices.pptx
@@ -141,6 +141,9 @@
     <p:ext uri="{EFAFB233-063F-42B5-8137-9DF3F51BA10A}">
       <p15:sldGuideLst xmlns:p15="http://schemas.microsoft.com/office/powerpoint/2012/main"/>
     </p:ext>
+    <p:ext uri="{2D200454-40CA-4A62-9FC3-DE9A4176ACB9}">
+      <p15:notesGuideLst xmlns:p15="http://schemas.microsoft.com/office/powerpoint/2012/main"/>
+    </p:ext>
   </p:extLst>
 </p:presentation>
 </file>
@@ -227,7 +230,7 @@
           <a:p>
             <a:fld id="{24F8C2F4-F781-034D-A742-B6D3765181E6}" type="datetimeFigureOut">
               <a:rPr lang="en-US" smtClean="0"/>
-              <a:t>7/13/23</a:t>
+              <a:t>6/28/24</a:t>
             </a:fld>
             <a:endParaRPr lang="en-US"/>
           </a:p>
@@ -2851,7 +2854,7 @@
           <a:p>
             <a:fld id="{BC2E0F42-2732-0946-871B-2BECB08500FA}" type="datetimeFigureOut">
               <a:rPr lang="en-US" smtClean="0"/>
-              <a:t>7/13/23</a:t>
+              <a:t>6/28/24</a:t>
             </a:fld>
             <a:endParaRPr lang="en-US"/>
           </a:p>
@@ -3049,7 +3052,7 @@
           <a:p>
             <a:fld id="{BC2E0F42-2732-0946-871B-2BECB08500FA}" type="datetimeFigureOut">
               <a:rPr lang="en-US" smtClean="0"/>
-              <a:t>7/13/23</a:t>
+              <a:t>6/28/24</a:t>
             </a:fld>
             <a:endParaRPr lang="en-US"/>
           </a:p>
@@ -3257,7 +3260,7 @@
           <a:p>
             <a:fld id="{BC2E0F42-2732-0946-871B-2BECB08500FA}" type="datetimeFigureOut">
               <a:rPr lang="en-US" smtClean="0"/>
-              <a:t>7/13/23</a:t>
+              <a:t>6/28/24</a:t>
             </a:fld>
             <a:endParaRPr lang="en-US"/>
           </a:p>
@@ -3455,7 +3458,7 @@
           <a:p>
             <a:fld id="{BC2E0F42-2732-0946-871B-2BECB08500FA}" type="datetimeFigureOut">
               <a:rPr lang="en-US" smtClean="0"/>
-              <a:t>7/13/23</a:t>
+              <a:t>6/28/24</a:t>
             </a:fld>
             <a:endParaRPr lang="en-US"/>
           </a:p>
@@ -3730,7 +3733,7 @@
           <a:p>
             <a:fld id="{BC2E0F42-2732-0946-871B-2BECB08500FA}" type="datetimeFigureOut">
               <a:rPr lang="en-US" smtClean="0"/>
-              <a:t>7/13/23</a:t>
+              <a:t>6/28/24</a:t>
             </a:fld>
             <a:endParaRPr lang="en-US"/>
           </a:p>
@@ -3995,7 +3998,7 @@
           <a:p>
             <a:fld id="{BC2E0F42-2732-0946-871B-2BECB08500FA}" type="datetimeFigureOut">
               <a:rPr lang="en-US" smtClean="0"/>
-              <a:t>7/13/23</a:t>
+              <a:t>6/28/24</a:t>
             </a:fld>
             <a:endParaRPr lang="en-US"/>
           </a:p>
@@ -4407,7 +4410,7 @@
           <a:p>
             <a:fld id="{BC2E0F42-2732-0946-871B-2BECB08500FA}" type="datetimeFigureOut">
               <a:rPr lang="en-US" smtClean="0"/>
-              <a:t>7/13/23</a:t>
+              <a:t>6/28/24</a:t>
             </a:fld>
             <a:endParaRPr lang="en-US"/>
           </a:p>
@@ -4548,7 +4551,7 @@
           <a:p>
             <a:fld id="{BC2E0F42-2732-0946-871B-2BECB08500FA}" type="datetimeFigureOut">
               <a:rPr lang="en-US" smtClean="0"/>
-              <a:t>7/13/23</a:t>
+              <a:t>6/28/24</a:t>
             </a:fld>
             <a:endParaRPr lang="en-US"/>
           </a:p>
@@ -4661,7 +4664,7 @@
           <a:p>
             <a:fld id="{BC2E0F42-2732-0946-871B-2BECB08500FA}" type="datetimeFigureOut">
               <a:rPr lang="en-US" smtClean="0"/>
-              <a:t>7/13/23</a:t>
+              <a:t>6/28/24</a:t>
             </a:fld>
             <a:endParaRPr lang="en-US"/>
           </a:p>
@@ -4972,7 +4975,7 @@
           <a:p>
             <a:fld id="{BC2E0F42-2732-0946-871B-2BECB08500FA}" type="datetimeFigureOut">
               <a:rPr lang="en-US" smtClean="0"/>
-              <a:t>7/13/23</a:t>
+              <a:t>6/28/24</a:t>
             </a:fld>
             <a:endParaRPr lang="en-US"/>
           </a:p>
@@ -5260,7 +5263,7 @@
           <a:p>
             <a:fld id="{BC2E0F42-2732-0946-871B-2BECB08500FA}" type="datetimeFigureOut">
               <a:rPr lang="en-US" smtClean="0"/>
-              <a:t>7/13/23</a:t>
+              <a:t>6/28/24</a:t>
             </a:fld>
             <a:endParaRPr lang="en-US"/>
           </a:p>
@@ -5501,7 +5504,7 @@
           <a:p>
             <a:fld id="{BC2E0F42-2732-0946-871B-2BECB08500FA}" type="datetimeFigureOut">
               <a:rPr lang="en-US" smtClean="0"/>
-              <a:t>7/13/23</a:t>
+              <a:t>6/28/24</a:t>
             </a:fld>
             <a:endParaRPr lang="en-US"/>
           </a:p>
@@ -5985,7 +5988,7 @@
           <a:p>
             <a:r>
               <a:rPr lang="en-US" dirty="0"/>
-              <a:t>Summer 2023</a:t>
+              <a:t>Summer 2024</a:t>
             </a:r>
           </a:p>
         </p:txBody>
@@ -11373,18 +11376,18 @@
         </p:nvSpPr>
         <p:spPr>
           <a:xfrm>
-            <a:off x="416689" y="1690689"/>
-            <a:ext cx="10937111" cy="4486273"/>
+            <a:off x="416689" y="1404086"/>
+            <a:ext cx="11279442" cy="5088787"/>
           </a:xfrm>
         </p:spPr>
         <p:txBody>
           <a:bodyPr>
-            <a:normAutofit fontScale="85000" lnSpcReduction="20000"/>
+            <a:normAutofit fontScale="92500" lnSpcReduction="10000"/>
           </a:bodyPr>
           <a:lstStyle/>
           <a:p>
             <a:r>
-              <a:rPr lang="en-US" dirty="0"/>
+              <a:rPr lang="en-US" b="1" dirty="0"/>
               <a:t>Schedule</a:t>
             </a:r>
           </a:p>
@@ -11403,7 +11406,7 @@
             <a:pPr lvl="2"/>
             <a:r>
               <a:rPr lang="en-US" dirty="0"/>
-              <a:t>Hybrid: ~ 1 hour, but we’ve blocked out 2 for extended discussions</a:t>
+              <a:t>~ 1 hour, but we’ve blocked out 2 for extended discussions/office hours</a:t>
             </a:r>
           </a:p>
           <a:p>
@@ -11412,44 +11415,68 @@
               <a:rPr lang="en-US" b="1" dirty="0"/>
               <a:t>Coding Circles</a:t>
             </a:r>
+            <a:endParaRPr lang="en-US" dirty="0"/>
           </a:p>
           <a:p>
             <a:pPr lvl="2"/>
             <a:r>
               <a:rPr lang="en-US" dirty="0"/>
-              <a:t>In person</a:t>
-            </a:r>
-          </a:p>
-          <a:p>
-            <a:pPr lvl="2"/>
-            <a:r>
-              <a:rPr lang="en-US" dirty="0"/>
-              <a:t>Co-working time with us and your cohort to build skills and work on your coding projects</a:t>
+              <a:t>Co-working time me us and your cohort to build skills and work on your coding projects</a:t>
             </a:r>
           </a:p>
           <a:p>
             <a:pPr lvl="3"/>
             <a:r>
               <a:rPr lang="en-US" dirty="0"/>
-              <a:t>Don’t have a project it mind come talk we me after or on slack</a:t>
-            </a:r>
-          </a:p>
-          <a:p>
-            <a:pPr lvl="1"/>
+              <a:t>Ask everyone what they intend to work on</a:t>
+            </a:r>
+          </a:p>
+          <a:p>
+            <a:pPr lvl="4"/>
+            <a:r>
+              <a:rPr lang="en-US" dirty="0"/>
+              <a:t>Either your Project</a:t>
+            </a:r>
+          </a:p>
+          <a:p>
+            <a:pPr lvl="3"/>
             <a:r>
               <a:rPr lang="en-US" b="1" dirty="0"/>
               <a:t>Programing Powerups</a:t>
             </a:r>
           </a:p>
           <a:p>
-            <a:pPr lvl="2"/>
-            <a:r>
-              <a:rPr lang="en-US" dirty="0"/>
-              <a:t>Short tasks to build some concrete skills and knowledge</a:t>
-            </a:r>
-          </a:p>
-          <a:p>
-            <a:pPr marL="914377" lvl="2" indent="0">
+            <a:pPr lvl="4"/>
+            <a:r>
+              <a:rPr lang="en-US" b="1" dirty="0"/>
+              <a:t>https://</a:t>
+            </a:r>
+            <a:r>
+              <a:rPr lang="en-US" b="1" dirty="0" err="1"/>
+              <a:t>uo</a:t>
+            </a:r>
+            <a:r>
+              <a:rPr lang="en-US" b="1" dirty="0"/>
+              <a:t>-data-</a:t>
+            </a:r>
+            <a:r>
+              <a:rPr lang="en-US" b="1" dirty="0" err="1"/>
+              <a:t>science.github.io</a:t>
+            </a:r>
+            <a:r>
+              <a:rPr lang="en-US" b="1" dirty="0"/>
+              <a:t>/NetNeuro2024/</a:t>
+            </a:r>
+          </a:p>
+          <a:p>
+            <a:pPr lvl="4"/>
+            <a:r>
+              <a:rPr lang="en-US" dirty="0"/>
+              <a:t>Tasks to build some concrete skills and knowledge</a:t>
+            </a:r>
+          </a:p>
+          <a:p>
+            <a:pPr marL="1371566" lvl="3" indent="0">
               <a:buNone/>
             </a:pPr>
             <a:r>
@@ -11469,31 +11496,29 @@
             <a:pPr lvl="2"/>
             <a:r>
               <a:rPr lang="en-US" dirty="0"/>
-              <a:t>Posted every Wednesday to our website, and will have some interactive component, but no lecture</a:t>
-            </a:r>
-          </a:p>
-          <a:p>
-            <a:pPr lvl="2"/>
-            <a:r>
-              <a:rPr lang="en-US" dirty="0"/>
               <a:t>Don’t hesitate to use the Data Science channel in slack to ask for questions/help</a:t>
             </a:r>
           </a:p>
           <a:p>
-            <a:r>
-              <a:rPr lang="en-US" dirty="0"/>
-              <a:t>Website – </a:t>
-            </a:r>
-            <a:r>
-              <a:rPr lang="en-US" dirty="0">
+            <a:pPr lvl="1"/>
+            <a:r>
+              <a:rPr lang="en-US" b="1" dirty="0"/>
+              <a:t>Website</a:t>
+            </a:r>
+            <a:r>
+              <a:rPr lang="en-US" dirty="0"/>
+              <a:t> – </a:t>
+            </a:r>
+            <a:r>
+              <a:rPr lang="en-US" b="1" i="1" dirty="0">
                 <a:hlinkClick r:id="rId3"/>
               </a:rPr>
-              <a:t>https://uo-data-science.github.io/NetNeuro2023/</a:t>
-            </a:r>
-            <a:endParaRPr lang="en-US" dirty="0"/>
-          </a:p>
-          <a:p>
-            <a:pPr lvl="1"/>
+              <a:t>https://uo-data-science.github.io/NetNeuro2024/</a:t>
+            </a:r>
+            <a:endParaRPr lang="en-US" b="1" i="1" dirty="0"/>
+          </a:p>
+          <a:p>
+            <a:pPr lvl="2"/>
             <a:r>
               <a:rPr lang="en-US" dirty="0"/>
               <a:t>Schedules, Resources, Programming Powerups</a:t>
@@ -13315,7 +13340,7 @@
             </a:r>
             <a:r>
               <a:rPr lang="en-US" sz="2400" dirty="0"/>
-              <a:t> -</a:t>
+              <a:t>-</a:t>
             </a:r>
             <a:r>
               <a:rPr lang="en-US" dirty="0"/>
@@ -14298,7 +14323,7 @@
         </p:nvSpPr>
         <p:spPr>
           <a:xfrm>
-            <a:off x="722454" y="225444"/>
+            <a:off x="673744" y="63400"/>
             <a:ext cx="10515600" cy="1325563"/>
           </a:xfrm>
         </p:spPr>
@@ -14331,7 +14356,7 @@
         </p:nvSpPr>
         <p:spPr>
           <a:xfrm>
-            <a:off x="625034" y="1388963"/>
+            <a:off x="576324" y="1238838"/>
             <a:ext cx="10613020" cy="4988688"/>
           </a:xfrm>
         </p:spPr>

--- a/docs/slides/Good_Data_Practices.pptx
+++ b/docs/slides/Good_Data_Practices.pptx
@@ -5,7 +5,7 @@
     <p:sldMasterId id="2147483648" r:id="rId1"/>
   </p:sldMasterIdLst>
   <p:notesMasterIdLst>
-    <p:notesMasterId r:id="rId33"/>
+    <p:notesMasterId r:id="rId34"/>
   </p:notesMasterIdLst>
   <p:sldIdLst>
     <p:sldId id="256" r:id="rId2"/>
@@ -25,7 +25,7 @@
     <p:sldId id="261" r:id="rId16"/>
     <p:sldId id="271" r:id="rId17"/>
     <p:sldId id="266" r:id="rId18"/>
-    <p:sldId id="294" r:id="rId19"/>
+    <p:sldId id="306" r:id="rId19"/>
     <p:sldId id="293" r:id="rId20"/>
     <p:sldId id="295" r:id="rId21"/>
     <p:sldId id="297" r:id="rId22"/>
@@ -39,6 +39,7 @@
     <p:sldId id="303" r:id="rId30"/>
     <p:sldId id="292" r:id="rId31"/>
     <p:sldId id="262" r:id="rId32"/>
+    <p:sldId id="294" r:id="rId33"/>
   </p:sldIdLst>
   <p:sldSz cx="12192000" cy="6858000"/>
   <p:notesSz cx="6858000" cy="9144000"/>
@@ -230,7 +231,7 @@
           <a:p>
             <a:fld id="{24F8C2F4-F781-034D-A742-B6D3765181E6}" type="datetimeFigureOut">
               <a:rPr lang="en-US" smtClean="0"/>
-              <a:t>6/28/24</a:t>
+              <a:t>7/1/24</a:t>
             </a:fld>
             <a:endParaRPr lang="en-US"/>
           </a:p>
@@ -1160,7 +1161,10 @@
           <a:bodyPr/>
           <a:lstStyle/>
           <a:p>
-            <a:endParaRPr lang="en-US" dirty="0"/>
+            <a:r>
+              <a:rPr lang="en-US" dirty="0"/>
+              <a:t>Now lets talk about some standards, these also can vary from journal to journal, but these are some common element</a:t>
+            </a:r>
           </a:p>
         </p:txBody>
       </p:sp>
@@ -1181,7 +1185,7 @@
           <a:p>
             <a:fld id="{B55A0E25-02A4-E54E-ABAE-BDAA005BDA79}" type="slidenum">
               <a:rPr lang="en-US" smtClean="0"/>
-              <a:t>18</a:t>
+              <a:t>19</a:t>
             </a:fld>
             <a:endParaRPr lang="en-US"/>
           </a:p>
@@ -1190,7 +1194,7 @@
     </p:spTree>
     <p:extLst>
       <p:ext uri="{BB962C8B-B14F-4D97-AF65-F5344CB8AC3E}">
-        <p14:creationId xmlns:p14="http://schemas.microsoft.com/office/powerpoint/2010/main" val="92276790"/>
+        <p14:creationId xmlns:p14="http://schemas.microsoft.com/office/powerpoint/2010/main" val="2192018217"/>
       </p:ext>
     </p:extLst>
   </p:cSld>
@@ -1246,7 +1250,16 @@
           <a:p>
             <a:r>
               <a:rPr lang="en-US" dirty="0"/>
-              <a:t>Now lets talk about some standards, these also can vary from journal to journal, but these are some common element</a:t>
+              <a:t>Tool to help you keep track of all of the changes s you’ve made, useful for others too</a:t>
+            </a:r>
+          </a:p>
+          <a:p>
+            <a:endParaRPr lang="en-US" dirty="0"/>
+          </a:p>
+          <a:p>
+            <a:r>
+              <a:rPr lang="en-US" dirty="0"/>
+              <a:t>This result looks weird, what happened when it changed</a:t>
             </a:r>
           </a:p>
         </p:txBody>
@@ -1268,7 +1281,7 @@
           <a:p>
             <a:fld id="{B55A0E25-02A4-E54E-ABAE-BDAA005BDA79}" type="slidenum">
               <a:rPr lang="en-US" smtClean="0"/>
-              <a:t>19</a:t>
+              <a:t>20</a:t>
             </a:fld>
             <a:endParaRPr lang="en-US"/>
           </a:p>
@@ -1277,7 +1290,7 @@
     </p:spTree>
     <p:extLst>
       <p:ext uri="{BB962C8B-B14F-4D97-AF65-F5344CB8AC3E}">
-        <p14:creationId xmlns:p14="http://schemas.microsoft.com/office/powerpoint/2010/main" val="2192018217"/>
+        <p14:creationId xmlns:p14="http://schemas.microsoft.com/office/powerpoint/2010/main" val="1991648057"/>
       </p:ext>
     </p:extLst>
   </p:cSld>
@@ -1331,19 +1344,7 @@
           <a:bodyPr/>
           <a:lstStyle/>
           <a:p>
-            <a:r>
-              <a:rPr lang="en-US" dirty="0"/>
-              <a:t>Tool to help you keep track of all of the changes s you’ve made, useful for others too</a:t>
-            </a:r>
-          </a:p>
-          <a:p>
             <a:endParaRPr lang="en-US" dirty="0"/>
-          </a:p>
-          <a:p>
-            <a:r>
-              <a:rPr lang="en-US" dirty="0"/>
-              <a:t>This result looks weird, what happened when it changed</a:t>
-            </a:r>
           </a:p>
         </p:txBody>
       </p:sp>
@@ -1364,7 +1365,7 @@
           <a:p>
             <a:fld id="{B55A0E25-02A4-E54E-ABAE-BDAA005BDA79}" type="slidenum">
               <a:rPr lang="en-US" smtClean="0"/>
-              <a:t>20</a:t>
+              <a:t>21</a:t>
             </a:fld>
             <a:endParaRPr lang="en-US"/>
           </a:p>
@@ -1373,7 +1374,7 @@
     </p:spTree>
     <p:extLst>
       <p:ext uri="{BB962C8B-B14F-4D97-AF65-F5344CB8AC3E}">
-        <p14:creationId xmlns:p14="http://schemas.microsoft.com/office/powerpoint/2010/main" val="1991648057"/>
+        <p14:creationId xmlns:p14="http://schemas.microsoft.com/office/powerpoint/2010/main" val="58742547"/>
       </p:ext>
     </p:extLst>
   </p:cSld>
@@ -1448,7 +1449,7 @@
           <a:p>
             <a:fld id="{B55A0E25-02A4-E54E-ABAE-BDAA005BDA79}" type="slidenum">
               <a:rPr lang="en-US" smtClean="0"/>
-              <a:t>21</a:t>
+              <a:t>22</a:t>
             </a:fld>
             <a:endParaRPr lang="en-US"/>
           </a:p>
@@ -1457,7 +1458,7 @@
     </p:spTree>
     <p:extLst>
       <p:ext uri="{BB962C8B-B14F-4D97-AF65-F5344CB8AC3E}">
-        <p14:creationId xmlns:p14="http://schemas.microsoft.com/office/powerpoint/2010/main" val="58742547"/>
+        <p14:creationId xmlns:p14="http://schemas.microsoft.com/office/powerpoint/2010/main" val="2079541699"/>
       </p:ext>
     </p:extLst>
   </p:cSld>
@@ -1511,7 +1512,10 @@
           <a:bodyPr/>
           <a:lstStyle/>
           <a:p>
-            <a:endParaRPr lang="en-US" dirty="0"/>
+            <a:r>
+              <a:rPr lang="en-US" dirty="0"/>
+              <a:t>Have everyone read this table.  Ask them a process they are using, or if they aren’t using any what do they think is most important and why.</a:t>
+            </a:r>
           </a:p>
         </p:txBody>
       </p:sp>
@@ -1532,7 +1536,7 @@
           <a:p>
             <a:fld id="{B55A0E25-02A4-E54E-ABAE-BDAA005BDA79}" type="slidenum">
               <a:rPr lang="en-US" smtClean="0"/>
-              <a:t>22</a:t>
+              <a:t>29</a:t>
             </a:fld>
             <a:endParaRPr lang="en-US"/>
           </a:p>
@@ -1541,7 +1545,7 @@
     </p:spTree>
     <p:extLst>
       <p:ext uri="{BB962C8B-B14F-4D97-AF65-F5344CB8AC3E}">
-        <p14:creationId xmlns:p14="http://schemas.microsoft.com/office/powerpoint/2010/main" val="2079541699"/>
+        <p14:creationId xmlns:p14="http://schemas.microsoft.com/office/powerpoint/2010/main" val="3674459840"/>
       </p:ext>
     </p:extLst>
   </p:cSld>
@@ -1813,6 +1817,90 @@
 </p:notes>
 </file>
 
+<file path=ppt/notesSlides/notesSlide21.xml><?xml version="1.0" encoding="utf-8"?>
+<p:notes xmlns:a="http://schemas.openxmlformats.org/drawingml/2006/main" xmlns:r="http://schemas.openxmlformats.org/officeDocument/2006/relationships" xmlns:p="http://schemas.openxmlformats.org/presentationml/2006/main">
+  <p:cSld>
+    <p:spTree>
+      <p:nvGrpSpPr>
+        <p:cNvPr id="1" name=""/>
+        <p:cNvGrpSpPr/>
+        <p:nvPr/>
+      </p:nvGrpSpPr>
+      <p:grpSpPr>
+        <a:xfrm>
+          <a:off x="0" y="0"/>
+          <a:ext cx="0" cy="0"/>
+          <a:chOff x="0" y="0"/>
+          <a:chExt cx="0" cy="0"/>
+        </a:xfrm>
+      </p:grpSpPr>
+      <p:sp>
+        <p:nvSpPr>
+          <p:cNvPr id="2" name="Slide Image Placeholder 1"/>
+          <p:cNvSpPr>
+            <a:spLocks noGrp="1" noRot="1" noChangeAspect="1"/>
+          </p:cNvSpPr>
+          <p:nvPr>
+            <p:ph type="sldImg"/>
+          </p:nvPr>
+        </p:nvSpPr>
+        <p:spPr/>
+      </p:sp>
+      <p:sp>
+        <p:nvSpPr>
+          <p:cNvPr id="3" name="Notes Placeholder 2"/>
+          <p:cNvSpPr>
+            <a:spLocks noGrp="1"/>
+          </p:cNvSpPr>
+          <p:nvPr>
+            <p:ph type="body" idx="1"/>
+          </p:nvPr>
+        </p:nvSpPr>
+        <p:spPr/>
+        <p:txBody>
+          <a:bodyPr/>
+          <a:lstStyle/>
+          <a:p>
+            <a:endParaRPr lang="en-US" dirty="0"/>
+          </a:p>
+        </p:txBody>
+      </p:sp>
+      <p:sp>
+        <p:nvSpPr>
+          <p:cNvPr id="4" name="Slide Number Placeholder 3"/>
+          <p:cNvSpPr>
+            <a:spLocks noGrp="1"/>
+          </p:cNvSpPr>
+          <p:nvPr>
+            <p:ph type="sldNum" sz="quarter" idx="5"/>
+          </p:nvPr>
+        </p:nvSpPr>
+        <p:spPr/>
+        <p:txBody>
+          <a:bodyPr/>
+          <a:lstStyle/>
+          <a:p>
+            <a:fld id="{B55A0E25-02A4-E54E-ABAE-BDAA005BDA79}" type="slidenum">
+              <a:rPr lang="en-US" smtClean="0"/>
+              <a:t>32</a:t>
+            </a:fld>
+            <a:endParaRPr lang="en-US"/>
+          </a:p>
+        </p:txBody>
+      </p:sp>
+    </p:spTree>
+    <p:extLst>
+      <p:ext uri="{BB962C8B-B14F-4D97-AF65-F5344CB8AC3E}">
+        <p14:creationId xmlns:p14="http://schemas.microsoft.com/office/powerpoint/2010/main" val="92276790"/>
+      </p:ext>
+    </p:extLst>
+  </p:cSld>
+  <p:clrMapOvr>
+    <a:masterClrMapping/>
+  </p:clrMapOvr>
+</p:notes>
+</file>
+
 <file path=ppt/notesSlides/notesSlide3.xml><?xml version="1.0" encoding="utf-8"?>
 <p:notes xmlns:a="http://schemas.openxmlformats.org/drawingml/2006/main" xmlns:r="http://schemas.openxmlformats.org/officeDocument/2006/relationships" xmlns:p="http://schemas.openxmlformats.org/presentationml/2006/main">
   <p:cSld>
@@ -2440,6 +2528,18 @@
           </a:p>
           <a:p>
             <a:endParaRPr lang="en-US" dirty="0"/>
+          </a:p>
+          <a:p>
+            <a:r>
+              <a:rPr lang="en-US" dirty="0"/>
+              <a:t>Interoperable – Common Structures</a:t>
+            </a:r>
+          </a:p>
+          <a:p>
+            <a:r>
+              <a:rPr lang="en-US" dirty="0"/>
+              <a:t>Reusable – Licenses etc.</a:t>
+            </a:r>
           </a:p>
         </p:txBody>
       </p:sp>
@@ -2854,7 +2954,7 @@
           <a:p>
             <a:fld id="{BC2E0F42-2732-0946-871B-2BECB08500FA}" type="datetimeFigureOut">
               <a:rPr lang="en-US" smtClean="0"/>
-              <a:t>6/28/24</a:t>
+              <a:t>7/1/24</a:t>
             </a:fld>
             <a:endParaRPr lang="en-US"/>
           </a:p>
@@ -3052,7 +3152,7 @@
           <a:p>
             <a:fld id="{BC2E0F42-2732-0946-871B-2BECB08500FA}" type="datetimeFigureOut">
               <a:rPr lang="en-US" smtClean="0"/>
-              <a:t>6/28/24</a:t>
+              <a:t>7/1/24</a:t>
             </a:fld>
             <a:endParaRPr lang="en-US"/>
           </a:p>
@@ -3260,7 +3360,7 @@
           <a:p>
             <a:fld id="{BC2E0F42-2732-0946-871B-2BECB08500FA}" type="datetimeFigureOut">
               <a:rPr lang="en-US" smtClean="0"/>
-              <a:t>6/28/24</a:t>
+              <a:t>7/1/24</a:t>
             </a:fld>
             <a:endParaRPr lang="en-US"/>
           </a:p>
@@ -3458,7 +3558,7 @@
           <a:p>
             <a:fld id="{BC2E0F42-2732-0946-871B-2BECB08500FA}" type="datetimeFigureOut">
               <a:rPr lang="en-US" smtClean="0"/>
-              <a:t>6/28/24</a:t>
+              <a:t>7/1/24</a:t>
             </a:fld>
             <a:endParaRPr lang="en-US"/>
           </a:p>
@@ -3733,7 +3833,7 @@
           <a:p>
             <a:fld id="{BC2E0F42-2732-0946-871B-2BECB08500FA}" type="datetimeFigureOut">
               <a:rPr lang="en-US" smtClean="0"/>
-              <a:t>6/28/24</a:t>
+              <a:t>7/1/24</a:t>
             </a:fld>
             <a:endParaRPr lang="en-US"/>
           </a:p>
@@ -3998,7 +4098,7 @@
           <a:p>
             <a:fld id="{BC2E0F42-2732-0946-871B-2BECB08500FA}" type="datetimeFigureOut">
               <a:rPr lang="en-US" smtClean="0"/>
-              <a:t>6/28/24</a:t>
+              <a:t>7/1/24</a:t>
             </a:fld>
             <a:endParaRPr lang="en-US"/>
           </a:p>
@@ -4410,7 +4510,7 @@
           <a:p>
             <a:fld id="{BC2E0F42-2732-0946-871B-2BECB08500FA}" type="datetimeFigureOut">
               <a:rPr lang="en-US" smtClean="0"/>
-              <a:t>6/28/24</a:t>
+              <a:t>7/1/24</a:t>
             </a:fld>
             <a:endParaRPr lang="en-US"/>
           </a:p>
@@ -4551,7 +4651,7 @@
           <a:p>
             <a:fld id="{BC2E0F42-2732-0946-871B-2BECB08500FA}" type="datetimeFigureOut">
               <a:rPr lang="en-US" smtClean="0"/>
-              <a:t>6/28/24</a:t>
+              <a:t>7/1/24</a:t>
             </a:fld>
             <a:endParaRPr lang="en-US"/>
           </a:p>
@@ -4664,7 +4764,7 @@
           <a:p>
             <a:fld id="{BC2E0F42-2732-0946-871B-2BECB08500FA}" type="datetimeFigureOut">
               <a:rPr lang="en-US" smtClean="0"/>
-              <a:t>6/28/24</a:t>
+              <a:t>7/1/24</a:t>
             </a:fld>
             <a:endParaRPr lang="en-US"/>
           </a:p>
@@ -4975,7 +5075,7 @@
           <a:p>
             <a:fld id="{BC2E0F42-2732-0946-871B-2BECB08500FA}" type="datetimeFigureOut">
               <a:rPr lang="en-US" smtClean="0"/>
-              <a:t>6/28/24</a:t>
+              <a:t>7/1/24</a:t>
             </a:fld>
             <a:endParaRPr lang="en-US"/>
           </a:p>
@@ -5263,7 +5363,7 @@
           <a:p>
             <a:fld id="{BC2E0F42-2732-0946-871B-2BECB08500FA}" type="datetimeFigureOut">
               <a:rPr lang="en-US" smtClean="0"/>
-              <a:t>6/28/24</a:t>
+              <a:t>7/1/24</a:t>
             </a:fld>
             <a:endParaRPr lang="en-US"/>
           </a:p>
@@ -5504,7 +5604,7 @@
           <a:p>
             <a:fld id="{BC2E0F42-2732-0946-871B-2BECB08500FA}" type="datetimeFigureOut">
               <a:rPr lang="en-US" smtClean="0"/>
-              <a:t>6/28/24</a:t>
+              <a:t>7/1/24</a:t>
             </a:fld>
             <a:endParaRPr lang="en-US"/>
           </a:p>
@@ -6664,8 +6764,8 @@
         </p:nvSpPr>
         <p:spPr>
           <a:xfrm>
-            <a:off x="398360" y="4609900"/>
-            <a:ext cx="12824750" cy="1632031"/>
+            <a:off x="7560860" y="1432084"/>
+            <a:ext cx="13113928" cy="4129370"/>
           </a:xfrm>
         </p:spPr>
         <p:txBody>
@@ -6727,12 +6827,12 @@
         <p:spPr>
           <a:xfrm>
             <a:off x="398360" y="1432084"/>
-            <a:ext cx="11793640" cy="3082043"/>
+            <a:ext cx="7258034" cy="5130237"/>
           </a:xfrm>
         </p:spPr>
         <p:txBody>
           <a:bodyPr>
-            <a:normAutofit fontScale="47500" lnSpcReduction="20000"/>
+            <a:normAutofit fontScale="55000" lnSpcReduction="20000"/>
           </a:bodyPr>
           <a:lstStyle/>
           <a:p>
@@ -6740,66 +6840,70 @@
               <a:buNone/>
             </a:pPr>
             <a:r>
+              <a:rPr lang="en-US" sz="6000" dirty="0"/>
+              <a:t>Practices</a:t>
+            </a:r>
+            <a:endParaRPr lang="en-US" sz="4500" dirty="0"/>
+          </a:p>
+          <a:p>
+            <a:r>
               <a:rPr lang="en-US" sz="4500" dirty="0"/>
-              <a:t>Practices</a:t>
-            </a:r>
-            <a:endParaRPr lang="en-US" sz="3800" dirty="0"/>
-          </a:p>
-          <a:p>
-            <a:r>
-              <a:rPr lang="en-US" sz="3800" dirty="0"/>
               <a:t>Think about the whole workflow  </a:t>
             </a:r>
-          </a:p>
-          <a:p>
-            <a:r>
-              <a:rPr lang="en-US" sz="3800" dirty="0"/>
+            <a:br>
+              <a:rPr lang="en-US" sz="4500" dirty="0"/>
+            </a:br>
+            <a:endParaRPr lang="en-US" sz="4500" dirty="0"/>
+          </a:p>
+          <a:p>
+            <a:r>
+              <a:rPr lang="en-US" sz="4500" b="1" dirty="0"/>
               <a:t>Avoid doing things by hand </a:t>
             </a:r>
           </a:p>
           <a:p>
             <a:pPr lvl="1"/>
             <a:r>
-              <a:rPr lang="en-US" sz="2900" dirty="0"/>
+              <a:rPr lang="en-US" sz="4000" dirty="0"/>
               <a:t>Workflow shouldn’t have you opening files editing its code and re-running</a:t>
             </a:r>
           </a:p>
           <a:p>
             <a:r>
-              <a:rPr lang="en-US" sz="3800" dirty="0"/>
+              <a:rPr lang="en-US" sz="4500" b="1" dirty="0"/>
               <a:t>Use best practices for coding</a:t>
             </a:r>
           </a:p>
           <a:p>
             <a:pPr lvl="1"/>
             <a:r>
-              <a:rPr lang="en-US" sz="3400" dirty="0"/>
+              <a:rPr lang="en-US" sz="4000" dirty="0"/>
               <a:t>See end of talk</a:t>
             </a:r>
           </a:p>
           <a:p>
             <a:r>
-              <a:rPr lang="en-US" sz="3800" dirty="0"/>
+              <a:rPr lang="en-US" sz="4500" b="1" dirty="0"/>
               <a:t>Limit saving outputs</a:t>
             </a:r>
           </a:p>
           <a:p>
             <a:pPr lvl="1"/>
             <a:r>
-              <a:rPr lang="en-US" sz="2900" dirty="0"/>
+              <a:rPr lang="en-US" sz="4000" dirty="0"/>
               <a:t>Every time code is changed its outputs need to be rerun to be consistent, too many output files can lead to mistakes when the files you have don’t correspond to the code that’s been written</a:t>
             </a:r>
           </a:p>
           <a:p>
             <a:pPr lvl="1"/>
             <a:r>
-              <a:rPr lang="en-US" sz="2900" dirty="0"/>
+              <a:rPr lang="en-US" sz="4000" dirty="0"/>
               <a:t>If you need many intermediate files pick a data versioning scheme</a:t>
             </a:r>
           </a:p>
           <a:p>
             <a:r>
-              <a:rPr lang="en-US" sz="3800" dirty="0"/>
+              <a:rPr lang="en-US" sz="4500" b="1" dirty="0"/>
               <a:t>Be consistent + reduce decision fatigue</a:t>
             </a:r>
           </a:p>
@@ -6898,7 +7002,7 @@
           <a:lstStyle/>
           <a:p>
             <a:r>
-              <a:rPr lang="en-US" dirty="0"/>
+              <a:rPr lang="en-US" b="1" dirty="0"/>
               <a:t>Separate ‘workflow’ from ‘product’</a:t>
             </a:r>
           </a:p>
@@ -6926,7 +7030,7 @@
           <a:p>
             <a:pPr lvl="1"/>
             <a:r>
-              <a:rPr lang="en-US" dirty="0"/>
+              <a:rPr lang="en-US" b="1" dirty="0"/>
               <a:t>Product = elements you want to reproduce</a:t>
             </a:r>
           </a:p>
@@ -6946,7 +7050,7 @@
           </a:p>
           <a:p>
             <a:r>
-              <a:rPr lang="en-US" dirty="0"/>
+              <a:rPr lang="en-US" b="1" dirty="0"/>
               <a:t>Avoid hard-wiring your workflow into your product</a:t>
             </a:r>
           </a:p>
@@ -6970,7 +7074,7 @@
           </a:p>
           <a:p>
             <a:r>
-              <a:rPr lang="en-US" dirty="0"/>
+              <a:rPr lang="en-US" b="1" dirty="0"/>
               <a:t>Organize work into ‘projects’</a:t>
             </a:r>
           </a:p>
@@ -11042,7 +11146,7 @@
           <p:cNvPr id="2" name="Title 1">
             <a:extLst>
               <a:ext uri="{FF2B5EF4-FFF2-40B4-BE49-F238E27FC236}">
-                <a16:creationId xmlns:a16="http://schemas.microsoft.com/office/drawing/2014/main" id="{8F3EACAE-2A61-641F-4AB0-24C2E5D8FB58}"/>
+                <a16:creationId xmlns:a16="http://schemas.microsoft.com/office/drawing/2014/main" id="{9DDE64DE-DB08-DF28-814A-8A999330874E}"/>
               </a:ext>
             </a:extLst>
           </p:cNvPr>
@@ -11070,7 +11174,7 @@
           <p:cNvPr id="3" name="Content Placeholder 2">
             <a:extLst>
               <a:ext uri="{FF2B5EF4-FFF2-40B4-BE49-F238E27FC236}">
-                <a16:creationId xmlns:a16="http://schemas.microsoft.com/office/drawing/2014/main" id="{A5516D0D-5B57-68FE-1325-09A669C79C92}"/>
+                <a16:creationId xmlns:a16="http://schemas.microsoft.com/office/drawing/2014/main" id="{08EFCBD0-DBB8-2804-EB07-C7E6BB0C1453}"/>
               </a:ext>
             </a:extLst>
           </p:cNvPr>
@@ -11081,10 +11185,15 @@
             <p:ph idx="1"/>
           </p:nvPr>
         </p:nvSpPr>
-        <p:spPr/>
+        <p:spPr>
+          <a:xfrm>
+            <a:off x="682388" y="1690690"/>
+            <a:ext cx="10671412" cy="4486273"/>
+          </a:xfrm>
+        </p:spPr>
         <p:txBody>
           <a:bodyPr>
-            <a:normAutofit fontScale="92500" lnSpcReduction="10000"/>
+            <a:normAutofit lnSpcReduction="10000"/>
           </a:bodyPr>
           <a:lstStyle/>
           <a:p>
@@ -11117,57 +11226,55 @@
             <a:pPr lvl="1"/>
             <a:r>
               <a:rPr lang="en-US" dirty="0"/>
-              <a:t>Feel free to ask questions or write in </a:t>
-            </a:r>
-            <a:r>
-              <a:rPr lang="en-US" dirty="0" err="1"/>
-              <a:t>Etherpad</a:t>
-            </a:r>
+              <a:t>Feel free to ask questions</a:t>
+            </a:r>
+          </a:p>
+          <a:p>
             <a:endParaRPr lang="en-US" dirty="0"/>
           </a:p>
           <a:p>
+            <a:r>
+              <a:rPr lang="en-US" dirty="0"/>
+              <a:t>Report out Question Answer one of the following:</a:t>
+            </a:r>
+          </a:p>
+          <a:p>
+            <a:pPr lvl="1"/>
+            <a:r>
+              <a:rPr lang="en-US" dirty="0"/>
+              <a:t>Are there any steps you’re stuck on, or don’t know how to do?</a:t>
+            </a:r>
+          </a:p>
+          <a:p>
+            <a:pPr lvl="1"/>
+            <a:r>
+              <a:rPr lang="en-US" dirty="0"/>
+              <a:t>How are you collecting your data?</a:t>
+            </a:r>
+          </a:p>
+          <a:p>
+            <a:pPr lvl="1"/>
+            <a:r>
+              <a:rPr lang="en-US" dirty="0"/>
+              <a:t>Tell us one thing your excited about doing in you workflow?</a:t>
+            </a:r>
+          </a:p>
+          <a:p>
+            <a:pPr lvl="1"/>
+            <a:r>
+              <a:rPr lang="en-US" dirty="0"/>
+              <a:t>What identifiers are you using in your study? </a:t>
+            </a:r>
+          </a:p>
+          <a:p>
             <a:endParaRPr lang="en-US" dirty="0"/>
-          </a:p>
-          <a:p>
-            <a:r>
-              <a:rPr lang="en-US" dirty="0"/>
-              <a:t>Report out Question Answer one of the following:</a:t>
-            </a:r>
-          </a:p>
-          <a:p>
-            <a:pPr lvl="1"/>
-            <a:r>
-              <a:rPr lang="en-US" dirty="0"/>
-              <a:t>Are there any steps you’re stuck on, or don’t know how to do?</a:t>
-            </a:r>
-          </a:p>
-          <a:p>
-            <a:pPr lvl="1"/>
-            <a:r>
-              <a:rPr lang="en-US" dirty="0"/>
-              <a:t>How are you collecting your data?</a:t>
-            </a:r>
-          </a:p>
-          <a:p>
-            <a:pPr lvl="1"/>
-            <a:r>
-              <a:rPr lang="en-US" dirty="0"/>
-              <a:t>Tell us one thing your excited about doing in you workflow?</a:t>
-            </a:r>
-          </a:p>
-          <a:p>
-            <a:pPr lvl="1"/>
-            <a:r>
-              <a:rPr lang="en-US" dirty="0"/>
-              <a:t>What identifiers are you using in your study? </a:t>
-            </a:r>
           </a:p>
         </p:txBody>
       </p:sp>
     </p:spTree>
     <p:extLst>
       <p:ext uri="{BB962C8B-B14F-4D97-AF65-F5344CB8AC3E}">
-        <p14:creationId xmlns:p14="http://schemas.microsoft.com/office/powerpoint/2010/main" val="1422068314"/>
+        <p14:creationId xmlns:p14="http://schemas.microsoft.com/office/powerpoint/2010/main" val="2020776836"/>
       </p:ext>
     </p:extLst>
   </p:cSld>
@@ -11249,8 +11356,8 @@
         </p:blipFill>
         <p:spPr>
           <a:xfrm>
-            <a:off x="423928" y="1463929"/>
-            <a:ext cx="11344143" cy="4188718"/>
+            <a:off x="42238" y="1385249"/>
+            <a:ext cx="12107524" cy="4470589"/>
           </a:xfrm>
           <a:prstGeom prst="rect">
             <a:avLst/>
@@ -11271,7 +11378,7 @@
         </p:nvSpPr>
         <p:spPr>
           <a:xfrm>
-            <a:off x="3342602" y="5283315"/>
+            <a:off x="3328954" y="5565186"/>
             <a:ext cx="6099858" cy="369332"/>
           </a:xfrm>
           <a:prstGeom prst="rect">
@@ -11686,7 +11793,7 @@
         </p:nvSpPr>
         <p:spPr>
           <a:xfrm>
-            <a:off x="5713071" y="1124242"/>
+            <a:off x="5726719" y="690583"/>
             <a:ext cx="5850038" cy="1325563"/>
           </a:xfrm>
           <a:prstGeom prst="rect">
@@ -11899,8 +12006,8 @@
         </p:blipFill>
         <p:spPr>
           <a:xfrm>
-            <a:off x="185195" y="3217008"/>
-            <a:ext cx="7213600" cy="1076446"/>
+            <a:off x="185195" y="3765552"/>
+            <a:ext cx="10121708" cy="1510407"/>
           </a:xfrm>
           <a:prstGeom prst="rect">
             <a:avLst/>
@@ -11930,7 +12037,7 @@
         <p:spPr>
           <a:xfrm>
             <a:off x="185195" y="2488523"/>
-            <a:ext cx="7213600" cy="381000"/>
+            <a:ext cx="11434332" cy="603926"/>
           </a:xfrm>
           <a:prstGeom prst="rect">
             <a:avLst/>
@@ -11986,7 +12093,7 @@
         </p:nvSpPr>
         <p:spPr>
           <a:xfrm>
-            <a:off x="2806860" y="2431178"/>
+            <a:off x="4335409" y="2480935"/>
             <a:ext cx="6099858" cy="369332"/>
           </a:xfrm>
           <a:prstGeom prst="rect">
@@ -12021,7 +12128,7 @@
         </p:nvSpPr>
         <p:spPr>
           <a:xfrm>
-            <a:off x="2806860" y="3244334"/>
+            <a:off x="4335409" y="3900325"/>
             <a:ext cx="6099858" cy="369332"/>
           </a:xfrm>
           <a:prstGeom prst="rect">
@@ -12056,8 +12163,8 @@
         </p:nvSpPr>
         <p:spPr>
           <a:xfrm>
-            <a:off x="185195" y="4912806"/>
-            <a:ext cx="10370916" cy="646331"/>
+            <a:off x="185195" y="5405964"/>
+            <a:ext cx="10992321" cy="1015663"/>
           </a:xfrm>
           <a:prstGeom prst="rect">
             <a:avLst/>
@@ -12071,7 +12178,7 @@
           <a:lstStyle/>
           <a:p>
             <a:r>
-              <a:rPr lang="en-US" dirty="0"/>
+              <a:rPr lang="en-US" sz="2000" dirty="0"/>
               <a:t>All the software and settings that run your code is often called an ‘environment’ there are lots of tools that let you create an isolated environment for each or your projects, and share that environment with others.</a:t>
             </a:r>
           </a:p>
@@ -13847,7 +13954,7 @@
         </p:nvSpPr>
         <p:spPr>
           <a:xfrm>
-            <a:off x="457200" y="1690690"/>
+            <a:off x="348018" y="1786224"/>
             <a:ext cx="11734800" cy="4524315"/>
           </a:xfrm>
           <a:prstGeom prst="rect">
@@ -14031,7 +14138,7 @@
           <a:lstStyle/>
           <a:p>
             <a:r>
-              <a:rPr lang="en-US" dirty="0"/>
+              <a:rPr lang="en-US" b="1" dirty="0"/>
               <a:t>Best Practice: Backups and Permissions </a:t>
             </a:r>
           </a:p>
@@ -14205,7 +14312,7 @@
           <a:p>
             <a:r>
               <a:rPr lang="en-US" dirty="0"/>
-              <a:t>Exercise – Part 2 </a:t>
+              <a:t>Exercise </a:t>
             </a:r>
           </a:p>
         </p:txBody>
@@ -14238,7 +14345,7 @@
           <a:p>
             <a:r>
               <a:rPr lang="en-US" dirty="0"/>
-              <a:t>Go back to your diagram – are you following these practices? </a:t>
+              <a:t>Are you following these practices? </a:t>
             </a:r>
           </a:p>
           <a:p>
@@ -14261,7 +14368,7 @@
           <p:nvPr/>
         </p:nvPicPr>
         <p:blipFill rotWithShape="1">
-          <a:blip r:embed="rId2"/>
+          <a:blip r:embed="rId3"/>
           <a:srcRect t="49783"/>
           <a:stretch/>
         </p:blipFill>
@@ -14375,7 +14482,7 @@
             <a:pPr lvl="1"/>
             <a:r>
               <a:rPr lang="en-US" dirty="0"/>
-              <a:t>What I’m I doing, who is help, and how do we know if it worked?</a:t>
+              <a:t>What am I doing, who is helping, and how do we know if it worked?</a:t>
             </a:r>
           </a:p>
           <a:p>
@@ -14589,7 +14696,7 @@
             <a:pPr lvl="1"/>
             <a:r>
               <a:rPr lang="en-US" dirty="0"/>
-              <a:t>If you working on code together with some one how will you merge your changes?</a:t>
+              <a:t>If you working on code together with someone else how will you merge your changes?</a:t>
             </a:r>
           </a:p>
           <a:p>
@@ -14659,7 +14766,7 @@
             <a:pPr algn="ctr"/>
             <a:r>
               <a:rPr lang="en-US" i="1" dirty="0"/>
-              <a:t>Discussion</a:t>
+              <a:t>Some things to think about?</a:t>
             </a:r>
           </a:p>
         </p:txBody>
@@ -14735,6 +14842,253 @@
     <p:extLst>
       <p:ext uri="{BB962C8B-B14F-4D97-AF65-F5344CB8AC3E}">
         <p14:creationId xmlns:p14="http://schemas.microsoft.com/office/powerpoint/2010/main" val="2678445553"/>
+      </p:ext>
+    </p:extLst>
+  </p:cSld>
+  <p:clrMapOvr>
+    <a:masterClrMapping/>
+  </p:clrMapOvr>
+</p:sld>
+</file>
+
+<file path=ppt/slides/slide32.xml><?xml version="1.0" encoding="utf-8"?>
+<p:sld xmlns:a="http://schemas.openxmlformats.org/drawingml/2006/main" xmlns:r="http://schemas.openxmlformats.org/officeDocument/2006/relationships" xmlns:p="http://schemas.openxmlformats.org/presentationml/2006/main">
+  <p:cSld>
+    <p:spTree>
+      <p:nvGrpSpPr>
+        <p:cNvPr id="1" name=""/>
+        <p:cNvGrpSpPr/>
+        <p:nvPr/>
+      </p:nvGrpSpPr>
+      <p:grpSpPr>
+        <a:xfrm>
+          <a:off x="0" y="0"/>
+          <a:ext cx="0" cy="0"/>
+          <a:chOff x="0" y="0"/>
+          <a:chExt cx="0" cy="0"/>
+        </a:xfrm>
+      </p:grpSpPr>
+      <p:sp>
+        <p:nvSpPr>
+          <p:cNvPr id="2" name="Title 1">
+            <a:extLst>
+              <a:ext uri="{FF2B5EF4-FFF2-40B4-BE49-F238E27FC236}">
+                <a16:creationId xmlns:a16="http://schemas.microsoft.com/office/drawing/2014/main" id="{8F3EACAE-2A61-641F-4AB0-24C2E5D8FB58}"/>
+              </a:ext>
+            </a:extLst>
+          </p:cNvPr>
+          <p:cNvSpPr>
+            <a:spLocks noGrp="1"/>
+          </p:cNvSpPr>
+          <p:nvPr>
+            <p:ph type="title"/>
+          </p:nvPr>
+        </p:nvSpPr>
+        <p:spPr>
+          <a:xfrm>
+            <a:off x="510654" y="187706"/>
+            <a:ext cx="10515600" cy="1325563"/>
+          </a:xfrm>
+        </p:spPr>
+        <p:txBody>
+          <a:bodyPr/>
+          <a:lstStyle/>
+          <a:p>
+            <a:r>
+              <a:rPr lang="en-US" dirty="0"/>
+              <a:t>Exercise</a:t>
+            </a:r>
+          </a:p>
+        </p:txBody>
+      </p:sp>
+      <p:sp>
+        <p:nvSpPr>
+          <p:cNvPr id="3" name="Content Placeholder 2">
+            <a:extLst>
+              <a:ext uri="{FF2B5EF4-FFF2-40B4-BE49-F238E27FC236}">
+                <a16:creationId xmlns:a16="http://schemas.microsoft.com/office/drawing/2014/main" id="{A5516D0D-5B57-68FE-1325-09A669C79C92}"/>
+              </a:ext>
+            </a:extLst>
+          </p:cNvPr>
+          <p:cNvSpPr>
+            <a:spLocks noGrp="1"/>
+          </p:cNvSpPr>
+          <p:nvPr>
+            <p:ph idx="1"/>
+          </p:nvPr>
+        </p:nvSpPr>
+        <p:spPr>
+          <a:xfrm>
+            <a:off x="354842" y="972354"/>
+            <a:ext cx="12105564" cy="5520519"/>
+          </a:xfrm>
+        </p:spPr>
+        <p:txBody>
+          <a:bodyPr>
+            <a:normAutofit fontScale="92500" lnSpcReduction="10000"/>
+          </a:bodyPr>
+          <a:lstStyle/>
+          <a:p>
+            <a:pPr marL="0" indent="0">
+              <a:buNone/>
+            </a:pPr>
+            <a:endParaRPr lang="en-US" sz="3200" dirty="0">
+              <a:latin typeface="+mj-lt"/>
+              <a:cs typeface="Arial" panose="020B0604020202020204" pitchFamily="34" charset="0"/>
+            </a:endParaRPr>
+          </a:p>
+          <a:p>
+            <a:r>
+              <a:rPr lang="en-US" sz="3200" b="1" dirty="0">
+                <a:latin typeface="+mj-lt"/>
+                <a:cs typeface="Arial" panose="020B0604020202020204" pitchFamily="34" charset="0"/>
+              </a:rPr>
+              <a:t>Fill out survey	</a:t>
+            </a:r>
+          </a:p>
+          <a:p>
+            <a:pPr lvl="1"/>
+            <a:r>
+              <a:rPr lang="en-US" b="1" dirty="0">
+                <a:latin typeface="+mj-lt"/>
+                <a:cs typeface="Arial" panose="020B0604020202020204" pitchFamily="34" charset="0"/>
+                <a:hlinkClick r:id="rId3"/>
+              </a:rPr>
+              <a:t>https://oregon.qualtrics.com/jfe/form/SV_8zTL8tPYZ749mnA</a:t>
+            </a:r>
+            <a:br>
+              <a:rPr lang="en-US" b="1" dirty="0">
+                <a:latin typeface="+mj-lt"/>
+                <a:cs typeface="Arial" panose="020B0604020202020204" pitchFamily="34" charset="0"/>
+              </a:rPr>
+            </a:br>
+            <a:endParaRPr lang="en-US" b="1" dirty="0">
+              <a:latin typeface="+mj-lt"/>
+              <a:cs typeface="Arial" panose="020B0604020202020204" pitchFamily="34" charset="0"/>
+            </a:endParaRPr>
+          </a:p>
+          <a:p>
+            <a:r>
+              <a:rPr lang="en-US" sz="3200" dirty="0">
+                <a:latin typeface="+mj-lt"/>
+                <a:cs typeface="Arial" panose="020B0604020202020204" pitchFamily="34" charset="0"/>
+              </a:rPr>
+              <a:t>Plan out your programming Circles! </a:t>
+            </a:r>
+          </a:p>
+          <a:p>
+            <a:pPr lvl="1"/>
+            <a:r>
+              <a:rPr lang="en-US" sz="3200" dirty="0">
+                <a:latin typeface="+mj-lt"/>
+                <a:cs typeface="Arial" panose="020B0604020202020204" pitchFamily="34" charset="0"/>
+              </a:rPr>
+              <a:t>For the next 3 programming circles</a:t>
+            </a:r>
+            <a:br>
+              <a:rPr lang="en-US" sz="3200" dirty="0">
+                <a:latin typeface="+mj-lt"/>
+                <a:cs typeface="Arial" panose="020B0604020202020204" pitchFamily="34" charset="0"/>
+              </a:rPr>
+            </a:br>
+            <a:r>
+              <a:rPr lang="en-US" sz="3200" dirty="0">
+                <a:latin typeface="+mj-lt"/>
+                <a:cs typeface="Arial" panose="020B0604020202020204" pitchFamily="34" charset="0"/>
+              </a:rPr>
+              <a:t>	</a:t>
+            </a:r>
+            <a:br>
+              <a:rPr lang="en-US" sz="3200" dirty="0">
+                <a:latin typeface="+mj-lt"/>
+                <a:cs typeface="Arial" panose="020B0604020202020204" pitchFamily="34" charset="0"/>
+              </a:rPr>
+            </a:br>
+            <a:r>
+              <a:rPr lang="en-US" sz="3200" b="1" dirty="0">
+                <a:latin typeface="+mj-lt"/>
+                <a:cs typeface="Arial" panose="020B0604020202020204" pitchFamily="34" charset="0"/>
+              </a:rPr>
+              <a:t>Set a goal to accomplish for one of your projects</a:t>
+            </a:r>
+            <a:br>
+              <a:rPr lang="en-US" sz="3200" dirty="0">
+                <a:latin typeface="+mj-lt"/>
+                <a:cs typeface="Arial" panose="020B0604020202020204" pitchFamily="34" charset="0"/>
+              </a:rPr>
+            </a:br>
+            <a:r>
+              <a:rPr lang="en-US" sz="3200" dirty="0">
+                <a:latin typeface="+mj-lt"/>
+                <a:cs typeface="Arial" panose="020B0604020202020204" pitchFamily="34" charset="0"/>
+              </a:rPr>
+              <a:t>	or</a:t>
+            </a:r>
+            <a:br>
+              <a:rPr lang="en-US" sz="3200" dirty="0">
+                <a:latin typeface="+mj-lt"/>
+                <a:cs typeface="Arial" panose="020B0604020202020204" pitchFamily="34" charset="0"/>
+              </a:rPr>
+            </a:br>
+            <a:r>
+              <a:rPr lang="en-US" sz="3200" b="1" dirty="0">
+                <a:latin typeface="+mj-lt"/>
+                <a:cs typeface="Arial" panose="020B0604020202020204" pitchFamily="34" charset="0"/>
+              </a:rPr>
+              <a:t>Pick a topic to work on here</a:t>
+            </a:r>
+            <a:br>
+              <a:rPr lang="en-US" sz="3200" dirty="0">
+                <a:latin typeface="+mj-lt"/>
+                <a:cs typeface="Arial" panose="020B0604020202020204" pitchFamily="34" charset="0"/>
+              </a:rPr>
+            </a:br>
+            <a:r>
+              <a:rPr lang="en-US" sz="3200" dirty="0">
+                <a:latin typeface="+mj-lt"/>
+                <a:cs typeface="Arial" panose="020B0604020202020204" pitchFamily="34" charset="0"/>
+              </a:rPr>
+              <a:t>	</a:t>
+            </a:r>
+            <a:r>
+              <a:rPr lang="en-US" sz="3200" b="0" i="0" u="sng" dirty="0">
+                <a:effectLst/>
+                <a:latin typeface="+mj-lt"/>
+                <a:cs typeface="Arial" panose="020B0604020202020204" pitchFamily="34" charset="0"/>
+                <a:hlinkClick r:id="rId4"/>
+              </a:rPr>
+              <a:t>https://uo-data-science.github.io/NetNeuro2024/</a:t>
+            </a:r>
+            <a:endParaRPr lang="en-US" sz="3200" b="0" i="0" u="sng" dirty="0">
+              <a:effectLst/>
+              <a:latin typeface="+mj-lt"/>
+              <a:cs typeface="Arial" panose="020B0604020202020204" pitchFamily="34" charset="0"/>
+            </a:endParaRPr>
+          </a:p>
+          <a:p>
+            <a:pPr marL="457189" lvl="1" indent="0">
+              <a:buNone/>
+            </a:pPr>
+            <a:endParaRPr lang="en-US" sz="3200" u="sng" dirty="0">
+              <a:latin typeface="+mj-lt"/>
+              <a:cs typeface="Arial" panose="020B0604020202020204" pitchFamily="34" charset="0"/>
+            </a:endParaRPr>
+          </a:p>
+          <a:p>
+            <a:r>
+              <a:rPr lang="en-US" sz="3600" dirty="0">
+                <a:latin typeface="+mj-lt"/>
+                <a:cs typeface="Arial" panose="020B0604020202020204" pitchFamily="34" charset="0"/>
+              </a:rPr>
+              <a:t>Report out</a:t>
+            </a:r>
+          </a:p>
+        </p:txBody>
+      </p:sp>
+    </p:spTree>
+    <p:extLst>
+      <p:ext uri="{BB962C8B-B14F-4D97-AF65-F5344CB8AC3E}">
+        <p14:creationId xmlns:p14="http://schemas.microsoft.com/office/powerpoint/2010/main" val="1422068314"/>
       </p:ext>
     </p:extLst>
   </p:cSld>
@@ -14826,7 +15180,7 @@
             <a:pPr lvl="1"/>
             <a:r>
               <a:rPr lang="en-US" dirty="0"/>
-              <a:t>Reduce Bias  (i.e. avoid accidental p-hacking)</a:t>
+              <a:t>Reduce bias  (i.e. avoid accidental p-hacking)</a:t>
             </a:r>
           </a:p>
           <a:p>
